--- a/report/mid-report-ppt-juyoung.pptx
+++ b/report/mid-report-ppt-juyoung.pptx
@@ -5,7 +5,7 @@
     <p:sldMasterId id="2147483648" r:id="rId1"/>
   </p:sldMasterIdLst>
   <p:notesMasterIdLst>
-    <p:notesMasterId r:id="rId18"/>
+    <p:notesMasterId r:id="rId21"/>
   </p:notesMasterIdLst>
   <p:sldIdLst>
     <p:sldId id="387" r:id="rId2"/>
@@ -24,6 +24,9 @@
     <p:sldId id="320" r:id="rId15"/>
     <p:sldId id="323" r:id="rId16"/>
     <p:sldId id="309" r:id="rId17"/>
+    <p:sldId id="398" r:id="rId18"/>
+    <p:sldId id="399" r:id="rId19"/>
+    <p:sldId id="400" r:id="rId20"/>
   </p:sldIdLst>
   <p:sldSz cx="9144000" cy="6858000" type="screen4x3"/>
   <p:notesSz cx="6858000" cy="9144000"/>
@@ -143,6 +146,9 @@
             <p14:sldId id="320"/>
             <p14:sldId id="323"/>
             <p14:sldId id="309"/>
+            <p14:sldId id="398"/>
+            <p14:sldId id="399"/>
+            <p14:sldId id="400"/>
           </p14:sldIdLst>
         </p14:section>
       </p14:sectionLst>
@@ -248,7 +254,7 @@
             <a:fld id="{46AA5D5A-343A-4C1A-BC9D-610EC8B80F49}" type="datetimeFigureOut">
               <a:rPr lang="ko-KR" altLang="en-US" smtClean="0"/>
               <a:pPr/>
-              <a:t>2022-07-09</a:t>
+              <a:t>2022-07-10</a:t>
             </a:fld>
             <a:endParaRPr lang="ko-KR" altLang="en-US"/>
           </a:p>
@@ -868,7 +874,7 @@
             <a:fld id="{94F08C18-F846-4F83-9E4A-EF96E909B73F}" type="datetime1">
               <a:rPr lang="ko-KR" altLang="en-US" smtClean="0"/>
               <a:pPr/>
-              <a:t>2022-07-09</a:t>
+              <a:t>2022-07-10</a:t>
             </a:fld>
             <a:endParaRPr lang="ko-KR" altLang="en-US"/>
           </a:p>
@@ -1041,7 +1047,7 @@
             <a:fld id="{B022DE9A-8BD0-4588-90EC-B8326F0668FE}" type="datetime1">
               <a:rPr lang="ko-KR" altLang="en-US" smtClean="0"/>
               <a:pPr/>
-              <a:t>2022-07-09</a:t>
+              <a:t>2022-07-10</a:t>
             </a:fld>
             <a:endParaRPr lang="ko-KR" altLang="en-US"/>
           </a:p>
@@ -1224,7 +1230,7 @@
             <a:fld id="{77F8B5EE-9957-45ED-8881-249F27AAE9BD}" type="datetime1">
               <a:rPr lang="ko-KR" altLang="en-US" smtClean="0"/>
               <a:pPr/>
-              <a:t>2022-07-09</a:t>
+              <a:t>2022-07-10</a:t>
             </a:fld>
             <a:endParaRPr lang="ko-KR" altLang="en-US"/>
           </a:p>
@@ -1397,7 +1403,7 @@
             <a:fld id="{8A3DBE8A-08A0-4AE2-B806-C9B9A473B0ED}" type="datetime1">
               <a:rPr lang="ko-KR" altLang="en-US" smtClean="0"/>
               <a:pPr/>
-              <a:t>2022-07-09</a:t>
+              <a:t>2022-07-10</a:t>
             </a:fld>
             <a:endParaRPr lang="ko-KR" altLang="en-US"/>
           </a:p>
@@ -1659,7 +1665,7 @@
             <a:fld id="{7FE13E15-7006-4370-B5F6-60D7104AE3B4}" type="datetime1">
               <a:rPr lang="ko-KR" altLang="en-US" smtClean="0"/>
               <a:pPr/>
-              <a:t>2022-07-09</a:t>
+              <a:t>2022-07-10</a:t>
             </a:fld>
             <a:endParaRPr lang="ko-KR" altLang="en-US"/>
           </a:p>
@@ -1949,7 +1955,7 @@
             <a:fld id="{F7D10D11-2C95-44F2-9DFC-D0C737CB5390}" type="datetime1">
               <a:rPr lang="ko-KR" altLang="en-US" smtClean="0"/>
               <a:pPr/>
-              <a:t>2022-07-09</a:t>
+              <a:t>2022-07-10</a:t>
             </a:fld>
             <a:endParaRPr lang="ko-KR" altLang="en-US"/>
           </a:p>
@@ -2373,7 +2379,7 @@
             <a:fld id="{A5135845-0C4F-469E-8726-3EBFD71077A7}" type="datetime1">
               <a:rPr lang="ko-KR" altLang="en-US" smtClean="0"/>
               <a:pPr/>
-              <a:t>2022-07-09</a:t>
+              <a:t>2022-07-10</a:t>
             </a:fld>
             <a:endParaRPr lang="ko-KR" altLang="en-US"/>
           </a:p>
@@ -2495,7 +2501,7 @@
             <a:fld id="{C80FC019-3CDA-4483-987D-B12D1EB4D233}" type="datetime1">
               <a:rPr lang="ko-KR" altLang="en-US" smtClean="0"/>
               <a:pPr/>
-              <a:t>2022-07-09</a:t>
+              <a:t>2022-07-10</a:t>
             </a:fld>
             <a:endParaRPr lang="ko-KR" altLang="en-US"/>
           </a:p>
@@ -2595,7 +2601,7 @@
             <a:fld id="{45936E48-2907-481B-8F8C-35E94B4338B9}" type="datetime1">
               <a:rPr lang="ko-KR" altLang="en-US" smtClean="0"/>
               <a:pPr/>
-              <a:t>2022-07-09</a:t>
+              <a:t>2022-07-10</a:t>
             </a:fld>
             <a:endParaRPr lang="ko-KR" altLang="en-US"/>
           </a:p>
@@ -2875,7 +2881,7 @@
             <a:fld id="{76D1E666-04C9-40C3-88DF-F7C22C7A6172}" type="datetime1">
               <a:rPr lang="ko-KR" altLang="en-US" smtClean="0"/>
               <a:pPr/>
-              <a:t>2022-07-09</a:t>
+              <a:t>2022-07-10</a:t>
             </a:fld>
             <a:endParaRPr lang="ko-KR" altLang="en-US"/>
           </a:p>
@@ -3132,7 +3138,7 @@
             <a:fld id="{21D27B48-006F-4BC1-BDC8-3C8CA726AC13}" type="datetime1">
               <a:rPr lang="ko-KR" altLang="en-US" smtClean="0"/>
               <a:pPr/>
-              <a:t>2022-07-09</a:t>
+              <a:t>2022-07-10</a:t>
             </a:fld>
             <a:endParaRPr lang="ko-KR" altLang="en-US"/>
           </a:p>
@@ -3348,7 +3354,7 @@
             <a:fld id="{4926EC2E-D34C-4476-B4C7-64731BF56572}" type="datetime1">
               <a:rPr lang="ko-KR" altLang="en-US" smtClean="0"/>
               <a:pPr/>
-              <a:t>2022-07-09</a:t>
+              <a:t>2022-07-10</a:t>
             </a:fld>
             <a:endParaRPr lang="ko-KR" altLang="en-US"/>
           </a:p>
@@ -4127,7 +4133,15 @@
             </a:pPr>
             <a:r>
               <a:rPr lang="ko-KR" altLang="en-US" sz="2400" dirty="0" smtClean="0"/>
-              <a:t>일본 제와 아시아 태평양 지역의 </a:t>
+              <a:t>일본 </a:t>
+            </a:r>
+            <a:r>
+              <a:rPr lang="ko-KR" altLang="en-US" sz="2400" dirty="0" smtClean="0"/>
+              <a:t>제외 </a:t>
+            </a:r>
+            <a:r>
+              <a:rPr lang="ko-KR" altLang="en-US" sz="2400" dirty="0" smtClean="0"/>
+              <a:t>아시아 태평양 지역의 </a:t>
             </a:r>
             <a:r>
               <a:rPr lang="en-US" altLang="ko-KR" sz="2400" dirty="0" smtClean="0"/>
@@ -4143,11 +4157,7 @@
             </a:r>
             <a:r>
               <a:rPr lang="ko-KR" altLang="en-US" sz="2400" dirty="0" smtClean="0"/>
-              <a:t>를 </a:t>
-            </a:r>
-            <a:r>
-              <a:rPr lang="ko-KR" altLang="en-US" sz="2400" dirty="0" smtClean="0"/>
-              <a:t>기록</a:t>
+              <a:t>를 기록</a:t>
             </a:r>
             <a:endParaRPr lang="en-US" altLang="ko-KR" sz="2400" dirty="0" smtClean="0"/>
           </a:p>
@@ -4174,11 +4184,7 @@
             </a:r>
             <a:r>
               <a:rPr lang="ko-KR" altLang="en-US" sz="2400" dirty="0" smtClean="0"/>
-              <a:t>억 달러에 이를 </a:t>
-            </a:r>
-            <a:r>
-              <a:rPr lang="ko-KR" altLang="en-US" sz="2400" dirty="0" smtClean="0"/>
-              <a:t>전망</a:t>
+              <a:t>억 달러에 이를 전망</a:t>
             </a:r>
             <a:r>
               <a:rPr lang="en-US" altLang="ko-KR" sz="2400" dirty="0" smtClean="0"/>
@@ -4216,11 +4222,7 @@
             </a:r>
             <a:r>
               <a:rPr lang="ko-KR" altLang="en-US" sz="2400" dirty="0" smtClean="0"/>
-              <a:t>기술 투자를 주 동력이 될 것으로 </a:t>
-            </a:r>
-            <a:r>
-              <a:rPr lang="ko-KR" altLang="en-US" sz="2400" dirty="0" smtClean="0"/>
-              <a:t>나타남</a:t>
+              <a:t>기술 투자를 주 동력이 될 것으로 나타남</a:t>
             </a:r>
             <a:endParaRPr lang="en-US" altLang="ko-KR" sz="2400" dirty="0" smtClean="0"/>
           </a:p>
@@ -4234,7 +4236,7 @@
             </a:pPr>
             <a:r>
               <a:rPr lang="ko-KR" altLang="en-US" sz="2400" dirty="0" smtClean="0"/>
-              <a:t>비자 </a:t>
+              <a:t>소비자 </a:t>
             </a:r>
             <a:r>
               <a:rPr lang="ko-KR" altLang="en-US" sz="2400" dirty="0"/>
@@ -12403,6 +12405,678 @@
       </p:par>
     </p:tnLst>
   </p:timing>
+</p:sld>
+</file>
+
+<file path=ppt/slides/slide17.xml><?xml version="1.0" encoding="utf-8"?>
+<p:sld xmlns:a="http://schemas.openxmlformats.org/drawingml/2006/main" xmlns:r="http://schemas.openxmlformats.org/officeDocument/2006/relationships" xmlns:p="http://schemas.openxmlformats.org/presentationml/2006/main">
+  <p:cSld>
+    <p:spTree>
+      <p:nvGrpSpPr>
+        <p:cNvPr id="1" name=""/>
+        <p:cNvGrpSpPr/>
+        <p:nvPr/>
+      </p:nvGrpSpPr>
+      <p:grpSpPr>
+        <a:xfrm>
+          <a:off x="0" y="0"/>
+          <a:ext cx="0" cy="0"/>
+          <a:chOff x="0" y="0"/>
+          <a:chExt cx="0" cy="0"/>
+        </a:xfrm>
+      </p:grpSpPr>
+      <p:sp>
+        <p:nvSpPr>
+          <p:cNvPr id="4" name="바닥글 개체 틀 3"/>
+          <p:cNvSpPr>
+            <a:spLocks noGrp="1"/>
+          </p:cNvSpPr>
+          <p:nvPr>
+            <p:ph type="ftr" sz="quarter" idx="11"/>
+          </p:nvPr>
+        </p:nvSpPr>
+        <p:spPr/>
+        <p:txBody>
+          <a:bodyPr/>
+          <a:lstStyle/>
+          <a:p>
+            <a:r>
+              <a:rPr lang="ko-KR" altLang="en-US" smtClean="0"/>
+              <a:t>한이음 ▶ 프로그램 설계서</a:t>
+            </a:r>
+            <a:endParaRPr lang="ko-KR" altLang="en-US"/>
+          </a:p>
+        </p:txBody>
+      </p:sp>
+      <p:pic>
+        <p:nvPicPr>
+          <p:cNvPr id="1026" name="Picture 2"/>
+          <p:cNvPicPr>
+            <a:picLocks noChangeAspect="1" noChangeArrowheads="1"/>
+          </p:cNvPicPr>
+          <p:nvPr/>
+        </p:nvPicPr>
+        <p:blipFill>
+          <a:blip r:embed="rId2">
+            <a:extLst>
+              <a:ext uri="{28A0092B-C50C-407E-A947-70E740481C1C}">
+                <a14:useLocalDpi xmlns:a14="http://schemas.microsoft.com/office/drawing/2010/main" val="0"/>
+              </a:ext>
+            </a:extLst>
+          </a:blip>
+          <a:srcRect/>
+          <a:stretch>
+            <a:fillRect/>
+          </a:stretch>
+        </p:blipFill>
+        <p:spPr bwMode="auto">
+          <a:xfrm>
+            <a:off x="438443" y="836712"/>
+            <a:ext cx="4810246" cy="4570655"/>
+          </a:xfrm>
+          <a:prstGeom prst="rect">
+            <a:avLst/>
+          </a:prstGeom>
+          <a:noFill/>
+          <a:ln>
+            <a:noFill/>
+          </a:ln>
+          <a:effectLst/>
+          <a:extLst>
+            <a:ext uri="{909E8E84-426E-40DD-AFC4-6F175D3DCCD1}">
+              <a14:hiddenFill xmlns:a14="http://schemas.microsoft.com/office/drawing/2010/main">
+                <a:solidFill>
+                  <a:schemeClr val="accent1"/>
+                </a:solidFill>
+              </a14:hiddenFill>
+            </a:ext>
+            <a:ext uri="{91240B29-F687-4F45-9708-019B960494DF}">
+              <a14:hiddenLine xmlns:a14="http://schemas.microsoft.com/office/drawing/2010/main" w="9525">
+                <a:solidFill>
+                  <a:schemeClr val="tx1"/>
+                </a:solidFill>
+                <a:miter lim="800000"/>
+                <a:headEnd/>
+                <a:tailEnd/>
+              </a14:hiddenLine>
+            </a:ext>
+            <a:ext uri="{AF507438-7753-43E0-B8FC-AC1667EBCBE1}">
+              <a14:hiddenEffects xmlns:a14="http://schemas.microsoft.com/office/drawing/2010/main">
+                <a:effectLst>
+                  <a:outerShdw dist="35921" dir="2700000" algn="ctr" rotWithShape="0">
+                    <a:schemeClr val="bg2"/>
+                  </a:outerShdw>
+                </a:effectLst>
+              </a14:hiddenEffects>
+            </a:ext>
+          </a:extLst>
+        </p:spPr>
+      </p:pic>
+      <p:sp>
+        <p:nvSpPr>
+          <p:cNvPr id="6" name="TextBox 5"/>
+          <p:cNvSpPr txBox="1"/>
+          <p:nvPr/>
+        </p:nvSpPr>
+        <p:spPr>
+          <a:xfrm>
+            <a:off x="435367" y="5756106"/>
+            <a:ext cx="8180092" cy="338554"/>
+          </a:xfrm>
+          <a:prstGeom prst="rect">
+            <a:avLst/>
+          </a:prstGeom>
+          <a:noFill/>
+        </p:spPr>
+        <p:txBody>
+          <a:bodyPr wrap="square" rtlCol="0">
+            <a:spAutoFit/>
+          </a:bodyPr>
+          <a:lstStyle/>
+          <a:p>
+            <a:pPr fontAlgn="base"/>
+            <a:r>
+              <a:rPr lang="en-US" altLang="ko-KR" sz="1600" dirty="0" err="1" smtClean="0"/>
+              <a:t>HomeActivity</a:t>
+            </a:r>
+            <a:r>
+              <a:rPr lang="en-US" altLang="ko-KR" sz="1600" dirty="0" smtClean="0"/>
+              <a:t> – </a:t>
+            </a:r>
+            <a:r>
+              <a:rPr lang="ko-KR" altLang="en-US" sz="1600" dirty="0" smtClean="0"/>
+              <a:t>탭 바 메뉴 구성</a:t>
+            </a:r>
+            <a:endParaRPr lang="en-US" altLang="ko-KR" sz="1600" dirty="0"/>
+          </a:p>
+        </p:txBody>
+      </p:sp>
+      <p:pic>
+        <p:nvPicPr>
+          <p:cNvPr id="1027" name="Picture 3"/>
+          <p:cNvPicPr>
+            <a:picLocks noChangeAspect="1" noChangeArrowheads="1"/>
+          </p:cNvPicPr>
+          <p:nvPr/>
+        </p:nvPicPr>
+        <p:blipFill>
+          <a:blip r:embed="rId3">
+            <a:extLst>
+              <a:ext uri="{28A0092B-C50C-407E-A947-70E740481C1C}">
+                <a14:useLocalDpi xmlns:a14="http://schemas.microsoft.com/office/drawing/2010/main" val="0"/>
+              </a:ext>
+            </a:extLst>
+          </a:blip>
+          <a:srcRect/>
+          <a:stretch>
+            <a:fillRect/>
+          </a:stretch>
+        </p:blipFill>
+        <p:spPr bwMode="auto">
+          <a:xfrm>
+            <a:off x="4380838" y="1772816"/>
+            <a:ext cx="4810737" cy="3307854"/>
+          </a:xfrm>
+          <a:prstGeom prst="rect">
+            <a:avLst/>
+          </a:prstGeom>
+          <a:noFill/>
+          <a:ln>
+            <a:noFill/>
+          </a:ln>
+          <a:effectLst/>
+          <a:extLst>
+            <a:ext uri="{909E8E84-426E-40DD-AFC4-6F175D3DCCD1}">
+              <a14:hiddenFill xmlns:a14="http://schemas.microsoft.com/office/drawing/2010/main">
+                <a:solidFill>
+                  <a:schemeClr val="accent1"/>
+                </a:solidFill>
+              </a14:hiddenFill>
+            </a:ext>
+            <a:ext uri="{91240B29-F687-4F45-9708-019B960494DF}">
+              <a14:hiddenLine xmlns:a14="http://schemas.microsoft.com/office/drawing/2010/main" w="9525">
+                <a:solidFill>
+                  <a:schemeClr val="tx1"/>
+                </a:solidFill>
+                <a:miter lim="800000"/>
+                <a:headEnd/>
+                <a:tailEnd/>
+              </a14:hiddenLine>
+            </a:ext>
+            <a:ext uri="{AF507438-7753-43E0-B8FC-AC1667EBCBE1}">
+              <a14:hiddenEffects xmlns:a14="http://schemas.microsoft.com/office/drawing/2010/main">
+                <a:effectLst>
+                  <a:outerShdw dist="35921" dir="2700000" algn="ctr" rotWithShape="0">
+                    <a:schemeClr val="bg2"/>
+                  </a:outerShdw>
+                </a:effectLst>
+              </a14:hiddenEffects>
+            </a:ext>
+          </a:extLst>
+        </p:spPr>
+      </p:pic>
+    </p:spTree>
+    <p:extLst>
+      <p:ext uri="{BB962C8B-B14F-4D97-AF65-F5344CB8AC3E}">
+        <p14:creationId xmlns:p14="http://schemas.microsoft.com/office/powerpoint/2010/main" val="2753439530"/>
+      </p:ext>
+    </p:extLst>
+  </p:cSld>
+  <p:clrMapOvr>
+    <a:masterClrMapping/>
+  </p:clrMapOvr>
+</p:sld>
+</file>
+
+<file path=ppt/slides/slide18.xml><?xml version="1.0" encoding="utf-8"?>
+<p:sld xmlns:a="http://schemas.openxmlformats.org/drawingml/2006/main" xmlns:r="http://schemas.openxmlformats.org/officeDocument/2006/relationships" xmlns:p="http://schemas.openxmlformats.org/presentationml/2006/main">
+  <p:cSld>
+    <p:spTree>
+      <p:nvGrpSpPr>
+        <p:cNvPr id="1" name=""/>
+        <p:cNvGrpSpPr/>
+        <p:nvPr/>
+      </p:nvGrpSpPr>
+      <p:grpSpPr>
+        <a:xfrm>
+          <a:off x="0" y="0"/>
+          <a:ext cx="0" cy="0"/>
+          <a:chOff x="0" y="0"/>
+          <a:chExt cx="0" cy="0"/>
+        </a:xfrm>
+      </p:grpSpPr>
+      <p:sp>
+        <p:nvSpPr>
+          <p:cNvPr id="4" name="바닥글 개체 틀 3"/>
+          <p:cNvSpPr>
+            <a:spLocks noGrp="1"/>
+          </p:cNvSpPr>
+          <p:nvPr>
+            <p:ph type="ftr" sz="quarter" idx="11"/>
+          </p:nvPr>
+        </p:nvSpPr>
+        <p:spPr/>
+        <p:txBody>
+          <a:bodyPr/>
+          <a:lstStyle/>
+          <a:p>
+            <a:r>
+              <a:rPr lang="ko-KR" altLang="en-US" smtClean="0"/>
+              <a:t>한이음 ▶ 프로그램 설계서</a:t>
+            </a:r>
+            <a:endParaRPr lang="ko-KR" altLang="en-US"/>
+          </a:p>
+        </p:txBody>
+      </p:sp>
+      <p:pic>
+        <p:nvPicPr>
+          <p:cNvPr id="2050" name="Picture 2"/>
+          <p:cNvPicPr>
+            <a:picLocks noChangeAspect="1" noChangeArrowheads="1"/>
+          </p:cNvPicPr>
+          <p:nvPr/>
+        </p:nvPicPr>
+        <p:blipFill>
+          <a:blip r:embed="rId2">
+            <a:extLst>
+              <a:ext uri="{28A0092B-C50C-407E-A947-70E740481C1C}">
+                <a14:useLocalDpi xmlns:a14="http://schemas.microsoft.com/office/drawing/2010/main" val="0"/>
+              </a:ext>
+            </a:extLst>
+          </a:blip>
+          <a:srcRect/>
+          <a:stretch>
+            <a:fillRect/>
+          </a:stretch>
+        </p:blipFill>
+        <p:spPr bwMode="auto">
+          <a:xfrm>
+            <a:off x="180644" y="2313838"/>
+            <a:ext cx="6635606" cy="1726268"/>
+          </a:xfrm>
+          <a:prstGeom prst="rect">
+            <a:avLst/>
+          </a:prstGeom>
+          <a:noFill/>
+          <a:ln>
+            <a:noFill/>
+          </a:ln>
+          <a:effectLst/>
+          <a:extLst>
+            <a:ext uri="{909E8E84-426E-40DD-AFC4-6F175D3DCCD1}">
+              <a14:hiddenFill xmlns:a14="http://schemas.microsoft.com/office/drawing/2010/main">
+                <a:solidFill>
+                  <a:schemeClr val="accent1"/>
+                </a:solidFill>
+              </a14:hiddenFill>
+            </a:ext>
+            <a:ext uri="{91240B29-F687-4F45-9708-019B960494DF}">
+              <a14:hiddenLine xmlns:a14="http://schemas.microsoft.com/office/drawing/2010/main" w="9525">
+                <a:solidFill>
+                  <a:schemeClr val="tx1"/>
+                </a:solidFill>
+                <a:miter lim="800000"/>
+                <a:headEnd/>
+                <a:tailEnd/>
+              </a14:hiddenLine>
+            </a:ext>
+            <a:ext uri="{AF507438-7753-43E0-B8FC-AC1667EBCBE1}">
+              <a14:hiddenEffects xmlns:a14="http://schemas.microsoft.com/office/drawing/2010/main">
+                <a:effectLst>
+                  <a:outerShdw dist="35921" dir="2700000" algn="ctr" rotWithShape="0">
+                    <a:schemeClr val="bg2"/>
+                  </a:outerShdw>
+                </a:effectLst>
+              </a14:hiddenEffects>
+            </a:ext>
+          </a:extLst>
+        </p:spPr>
+      </p:pic>
+      <p:sp>
+        <p:nvSpPr>
+          <p:cNvPr id="6" name="TextBox 5"/>
+          <p:cNvSpPr txBox="1"/>
+          <p:nvPr/>
+        </p:nvSpPr>
+        <p:spPr>
+          <a:xfrm>
+            <a:off x="418177" y="5248275"/>
+            <a:ext cx="8180092" cy="338554"/>
+          </a:xfrm>
+          <a:prstGeom prst="rect">
+            <a:avLst/>
+          </a:prstGeom>
+          <a:noFill/>
+        </p:spPr>
+        <p:txBody>
+          <a:bodyPr wrap="square" rtlCol="0">
+            <a:spAutoFit/>
+          </a:bodyPr>
+          <a:lstStyle/>
+          <a:p>
+            <a:pPr fontAlgn="base"/>
+            <a:r>
+              <a:rPr lang="en-US" altLang="ko-KR" sz="1600" dirty="0" err="1" smtClean="0"/>
+              <a:t>MainActivity</a:t>
+            </a:r>
+            <a:r>
+              <a:rPr lang="en-US" altLang="ko-KR" sz="1600" dirty="0" smtClean="0"/>
+              <a:t> - </a:t>
+            </a:r>
+            <a:r>
+              <a:rPr lang="ko-KR" altLang="en-US" sz="1600" dirty="0" err="1"/>
+              <a:t>로그인을</a:t>
+            </a:r>
+            <a:r>
+              <a:rPr lang="ko-KR" altLang="en-US" sz="1600" dirty="0"/>
+              <a:t> 위한 </a:t>
+            </a:r>
+            <a:r>
+              <a:rPr lang="ko-KR" altLang="en-US" sz="1600" dirty="0" err="1" smtClean="0"/>
+              <a:t>액티비티</a:t>
+            </a:r>
+            <a:endParaRPr lang="en-US" altLang="ko-KR" sz="1600" dirty="0"/>
+          </a:p>
+        </p:txBody>
+      </p:sp>
+      <p:pic>
+        <p:nvPicPr>
+          <p:cNvPr id="2052" name="Picture 4"/>
+          <p:cNvPicPr>
+            <a:picLocks noChangeAspect="1" noChangeArrowheads="1"/>
+          </p:cNvPicPr>
+          <p:nvPr/>
+        </p:nvPicPr>
+        <p:blipFill>
+          <a:blip r:embed="rId3">
+            <a:extLst>
+              <a:ext uri="{28A0092B-C50C-407E-A947-70E740481C1C}">
+                <a14:useLocalDpi xmlns:a14="http://schemas.microsoft.com/office/drawing/2010/main" val="0"/>
+              </a:ext>
+            </a:extLst>
+          </a:blip>
+          <a:srcRect/>
+          <a:stretch>
+            <a:fillRect/>
+          </a:stretch>
+        </p:blipFill>
+        <p:spPr bwMode="auto">
+          <a:xfrm>
+            <a:off x="5220072" y="188640"/>
+            <a:ext cx="3231201" cy="5976664"/>
+          </a:xfrm>
+          <a:prstGeom prst="rect">
+            <a:avLst/>
+          </a:prstGeom>
+          <a:noFill/>
+          <a:ln>
+            <a:noFill/>
+          </a:ln>
+          <a:effectLst/>
+          <a:extLst>
+            <a:ext uri="{909E8E84-426E-40DD-AFC4-6F175D3DCCD1}">
+              <a14:hiddenFill xmlns:a14="http://schemas.microsoft.com/office/drawing/2010/main">
+                <a:solidFill>
+                  <a:schemeClr val="accent1"/>
+                </a:solidFill>
+              </a14:hiddenFill>
+            </a:ext>
+            <a:ext uri="{91240B29-F687-4F45-9708-019B960494DF}">
+              <a14:hiddenLine xmlns:a14="http://schemas.microsoft.com/office/drawing/2010/main" w="9525">
+                <a:solidFill>
+                  <a:schemeClr val="tx1"/>
+                </a:solidFill>
+                <a:miter lim="800000"/>
+                <a:headEnd/>
+                <a:tailEnd/>
+              </a14:hiddenLine>
+            </a:ext>
+            <a:ext uri="{AF507438-7753-43E0-B8FC-AC1667EBCBE1}">
+              <a14:hiddenEffects xmlns:a14="http://schemas.microsoft.com/office/drawing/2010/main">
+                <a:effectLst>
+                  <a:outerShdw dist="35921" dir="2700000" algn="ctr" rotWithShape="0">
+                    <a:schemeClr val="bg2"/>
+                  </a:outerShdw>
+                </a:effectLst>
+              </a14:hiddenEffects>
+            </a:ext>
+          </a:extLst>
+        </p:spPr>
+      </p:pic>
+    </p:spTree>
+    <p:extLst>
+      <p:ext uri="{BB962C8B-B14F-4D97-AF65-F5344CB8AC3E}">
+        <p14:creationId xmlns:p14="http://schemas.microsoft.com/office/powerpoint/2010/main" val="2821560800"/>
+      </p:ext>
+    </p:extLst>
+  </p:cSld>
+  <p:clrMapOvr>
+    <a:masterClrMapping/>
+  </p:clrMapOvr>
+</p:sld>
+</file>
+
+<file path=ppt/slides/slide19.xml><?xml version="1.0" encoding="utf-8"?>
+<p:sld xmlns:a="http://schemas.openxmlformats.org/drawingml/2006/main" xmlns:r="http://schemas.openxmlformats.org/officeDocument/2006/relationships" xmlns:p="http://schemas.openxmlformats.org/presentationml/2006/main">
+  <p:cSld>
+    <p:spTree>
+      <p:nvGrpSpPr>
+        <p:cNvPr id="1" name=""/>
+        <p:cNvGrpSpPr/>
+        <p:nvPr/>
+      </p:nvGrpSpPr>
+      <p:grpSpPr>
+        <a:xfrm>
+          <a:off x="0" y="0"/>
+          <a:ext cx="0" cy="0"/>
+          <a:chOff x="0" y="0"/>
+          <a:chExt cx="0" cy="0"/>
+        </a:xfrm>
+      </p:grpSpPr>
+      <p:sp>
+        <p:nvSpPr>
+          <p:cNvPr id="4" name="바닥글 개체 틀 3"/>
+          <p:cNvSpPr>
+            <a:spLocks noGrp="1"/>
+          </p:cNvSpPr>
+          <p:nvPr>
+            <p:ph type="ftr" sz="quarter" idx="11"/>
+          </p:nvPr>
+        </p:nvSpPr>
+        <p:spPr/>
+        <p:txBody>
+          <a:bodyPr/>
+          <a:lstStyle/>
+          <a:p>
+            <a:r>
+              <a:rPr lang="ko-KR" altLang="en-US" smtClean="0"/>
+              <a:t>한이음 ▶ 프로그램 설계서</a:t>
+            </a:r>
+            <a:endParaRPr lang="ko-KR" altLang="en-US"/>
+          </a:p>
+        </p:txBody>
+      </p:sp>
+      <p:pic>
+        <p:nvPicPr>
+          <p:cNvPr id="2051" name="Picture 3"/>
+          <p:cNvPicPr>
+            <a:picLocks noChangeAspect="1" noChangeArrowheads="1"/>
+          </p:cNvPicPr>
+          <p:nvPr/>
+        </p:nvPicPr>
+        <p:blipFill>
+          <a:blip r:embed="rId2">
+            <a:extLst>
+              <a:ext uri="{28A0092B-C50C-407E-A947-70E740481C1C}">
+                <a14:useLocalDpi xmlns:a14="http://schemas.microsoft.com/office/drawing/2010/main" val="0"/>
+              </a:ext>
+            </a:extLst>
+          </a:blip>
+          <a:srcRect/>
+          <a:stretch>
+            <a:fillRect/>
+          </a:stretch>
+        </p:blipFill>
+        <p:spPr bwMode="auto">
+          <a:xfrm>
+            <a:off x="467545" y="1588197"/>
+            <a:ext cx="5184575" cy="2555494"/>
+          </a:xfrm>
+          <a:prstGeom prst="rect">
+            <a:avLst/>
+          </a:prstGeom>
+          <a:noFill/>
+          <a:ln>
+            <a:noFill/>
+          </a:ln>
+          <a:effectLst/>
+          <a:extLst>
+            <a:ext uri="{909E8E84-426E-40DD-AFC4-6F175D3DCCD1}">
+              <a14:hiddenFill xmlns:a14="http://schemas.microsoft.com/office/drawing/2010/main">
+                <a:solidFill>
+                  <a:schemeClr val="accent1"/>
+                </a:solidFill>
+              </a14:hiddenFill>
+            </a:ext>
+            <a:ext uri="{91240B29-F687-4F45-9708-019B960494DF}">
+              <a14:hiddenLine xmlns:a14="http://schemas.microsoft.com/office/drawing/2010/main" w="9525">
+                <a:solidFill>
+                  <a:schemeClr val="tx1"/>
+                </a:solidFill>
+                <a:miter lim="800000"/>
+                <a:headEnd/>
+                <a:tailEnd/>
+              </a14:hiddenLine>
+            </a:ext>
+            <a:ext uri="{AF507438-7753-43E0-B8FC-AC1667EBCBE1}">
+              <a14:hiddenEffects xmlns:a14="http://schemas.microsoft.com/office/drawing/2010/main">
+                <a:effectLst>
+                  <a:outerShdw dist="35921" dir="2700000" algn="ctr" rotWithShape="0">
+                    <a:schemeClr val="bg2"/>
+                  </a:outerShdw>
+                </a:effectLst>
+              </a14:hiddenEffects>
+            </a:ext>
+          </a:extLst>
+        </p:spPr>
+      </p:pic>
+      <p:sp>
+        <p:nvSpPr>
+          <p:cNvPr id="5" name="TextBox 4"/>
+          <p:cNvSpPr txBox="1"/>
+          <p:nvPr/>
+        </p:nvSpPr>
+        <p:spPr>
+          <a:xfrm>
+            <a:off x="418177" y="5248275"/>
+            <a:ext cx="8180092" cy="338554"/>
+          </a:xfrm>
+          <a:prstGeom prst="rect">
+            <a:avLst/>
+          </a:prstGeom>
+          <a:noFill/>
+        </p:spPr>
+        <p:txBody>
+          <a:bodyPr wrap="square" rtlCol="0">
+            <a:spAutoFit/>
+          </a:bodyPr>
+          <a:lstStyle/>
+          <a:p>
+            <a:pPr fontAlgn="base"/>
+            <a:r>
+              <a:rPr lang="en-US" altLang="ko-KR" sz="1600" dirty="0" err="1" smtClean="0"/>
+              <a:t>SubActivity</a:t>
+            </a:r>
+            <a:r>
+              <a:rPr lang="en-US" altLang="ko-KR" sz="1600" dirty="0" smtClean="0"/>
+              <a:t> – </a:t>
+            </a:r>
+            <a:r>
+              <a:rPr lang="ko-KR" altLang="en-US" sz="1600" dirty="0" smtClean="0"/>
+              <a:t>회원가입을 위한 </a:t>
+            </a:r>
+            <a:r>
+              <a:rPr lang="ko-KR" altLang="en-US" sz="1600" dirty="0" err="1" smtClean="0"/>
+              <a:t>액티비티</a:t>
+            </a:r>
+            <a:endParaRPr lang="en-US" altLang="ko-KR" sz="1600" dirty="0"/>
+          </a:p>
+        </p:txBody>
+      </p:sp>
+      <p:pic>
+        <p:nvPicPr>
+          <p:cNvPr id="3074" name="Picture 2"/>
+          <p:cNvPicPr>
+            <a:picLocks noChangeAspect="1" noChangeArrowheads="1"/>
+          </p:cNvPicPr>
+          <p:nvPr/>
+        </p:nvPicPr>
+        <p:blipFill>
+          <a:blip r:embed="rId3">
+            <a:extLst>
+              <a:ext uri="{28A0092B-C50C-407E-A947-70E740481C1C}">
+                <a14:useLocalDpi xmlns:a14="http://schemas.microsoft.com/office/drawing/2010/main" val="0"/>
+              </a:ext>
+            </a:extLst>
+          </a:blip>
+          <a:srcRect/>
+          <a:stretch>
+            <a:fillRect/>
+          </a:stretch>
+        </p:blipFill>
+        <p:spPr bwMode="auto">
+          <a:xfrm>
+            <a:off x="4709883" y="332656"/>
+            <a:ext cx="4427221" cy="5616624"/>
+          </a:xfrm>
+          <a:prstGeom prst="rect">
+            <a:avLst/>
+          </a:prstGeom>
+          <a:noFill/>
+          <a:ln>
+            <a:noFill/>
+          </a:ln>
+          <a:effectLst/>
+          <a:extLst>
+            <a:ext uri="{909E8E84-426E-40DD-AFC4-6F175D3DCCD1}">
+              <a14:hiddenFill xmlns:a14="http://schemas.microsoft.com/office/drawing/2010/main">
+                <a:solidFill>
+                  <a:schemeClr val="accent1"/>
+                </a:solidFill>
+              </a14:hiddenFill>
+            </a:ext>
+            <a:ext uri="{91240B29-F687-4F45-9708-019B960494DF}">
+              <a14:hiddenLine xmlns:a14="http://schemas.microsoft.com/office/drawing/2010/main" w="9525">
+                <a:solidFill>
+                  <a:schemeClr val="tx1"/>
+                </a:solidFill>
+                <a:miter lim="800000"/>
+                <a:headEnd/>
+                <a:tailEnd/>
+              </a14:hiddenLine>
+            </a:ext>
+            <a:ext uri="{AF507438-7753-43E0-B8FC-AC1667EBCBE1}">
+              <a14:hiddenEffects xmlns:a14="http://schemas.microsoft.com/office/drawing/2010/main">
+                <a:effectLst>
+                  <a:outerShdw dist="35921" dir="2700000" algn="ctr" rotWithShape="0">
+                    <a:schemeClr val="bg2"/>
+                  </a:outerShdw>
+                </a:effectLst>
+              </a14:hiddenEffects>
+            </a:ext>
+          </a:extLst>
+        </p:spPr>
+      </p:pic>
+    </p:spTree>
+    <p:extLst>
+      <p:ext uri="{BB962C8B-B14F-4D97-AF65-F5344CB8AC3E}">
+        <p14:creationId xmlns:p14="http://schemas.microsoft.com/office/powerpoint/2010/main" val="3806441272"/>
+      </p:ext>
+    </p:extLst>
+  </p:cSld>
+  <p:clrMapOvr>
+    <a:masterClrMapping/>
+  </p:clrMapOvr>
 </p:sld>
 </file>
 
